--- a/documentacao/Diagrama-Solucao.pptx
+++ b/documentacao/Diagrama-Solucao.pptx
@@ -105,6 +105,11 @@
       </a:defRPr>
     </a:lvl9pPr>
   </p:defaultTextStyle>
+  <p:extLst>
+    <p:ext uri="{EFAFB233-063F-42B5-8137-9DF3F51BA10A}">
+      <p15:sldGuideLst xmlns:p15="http://schemas.microsoft.com/office/powerpoint/2012/main"/>
+    </p:ext>
+  </p:extLst>
 </p:presentation>
 </file>
 
@@ -239,7 +244,7 @@
           <a:p>
             <a:fld id="{9AB3A824-1A51-4B26-AD58-A6D8E14F6C04}" type="datetimeFigureOut">
               <a:rPr lang="en-US" smtClean="0"/>
-              <a:t>10/9/2019</a:t>
+              <a:t>10/10/2019</a:t>
             </a:fld>
             <a:endParaRPr lang="en-US" dirty="0"/>
           </a:p>
@@ -414,7 +419,7 @@
           <a:p>
             <a:fld id="{D857E33E-8B18-4087-B112-809917729534}" type="datetimeFigureOut">
               <a:rPr lang="en-US" smtClean="0"/>
-              <a:t>10/9/2019</a:t>
+              <a:t>10/10/2019</a:t>
             </a:fld>
             <a:endParaRPr lang="en-US" dirty="0"/>
           </a:p>
@@ -599,7 +604,7 @@
           <a:p>
             <a:fld id="{D3FFE419-2371-464F-8239-3959401C3561}" type="datetimeFigureOut">
               <a:rPr lang="en-US" smtClean="0"/>
-              <a:t>10/9/2019</a:t>
+              <a:t>10/10/2019</a:t>
             </a:fld>
             <a:endParaRPr lang="en-US" dirty="0"/>
           </a:p>
@@ -774,7 +779,7 @@
           <a:p>
             <a:fld id="{97D162C4-EDD9-4389-A98B-B87ECEA2A816}" type="datetimeFigureOut">
               <a:rPr lang="en-US" smtClean="0"/>
-              <a:t>10/9/2019</a:t>
+              <a:t>10/10/2019</a:t>
             </a:fld>
             <a:endParaRPr lang="en-US" dirty="0"/>
           </a:p>
@@ -1025,7 +1030,7 @@
           <a:p>
             <a:fld id="{3E5059C3-6A89-4494-99FF-5A4D6FFD50EB}" type="datetimeFigureOut">
               <a:rPr lang="en-US" smtClean="0"/>
-              <a:t>10/9/2019</a:t>
+              <a:t>10/10/2019</a:t>
             </a:fld>
             <a:endParaRPr lang="en-US" dirty="0"/>
           </a:p>
@@ -1262,7 +1267,7 @@
           <a:p>
             <a:fld id="{CA954B2F-12DE-47F5-8894-472B206D2E1E}" type="datetimeFigureOut">
               <a:rPr lang="en-US" smtClean="0"/>
-              <a:t>10/9/2019</a:t>
+              <a:t>10/10/2019</a:t>
             </a:fld>
             <a:endParaRPr lang="en-US" dirty="0"/>
           </a:p>
@@ -1634,7 +1639,7 @@
           <a:p>
             <a:fld id="{3F30E46F-7819-4ACF-B48B-48222C2ACC88}" type="datetimeFigureOut">
               <a:rPr lang="en-US" smtClean="0"/>
-              <a:t>10/9/2019</a:t>
+              <a:t>10/10/2019</a:t>
             </a:fld>
             <a:endParaRPr lang="en-US" dirty="0"/>
           </a:p>
@@ -1757,7 +1762,7 @@
           <a:p>
             <a:fld id="{1FAF3416-4057-4DAA-829D-4CA07428D088}" type="datetimeFigureOut">
               <a:rPr lang="en-US" smtClean="0"/>
-              <a:t>10/9/2019</a:t>
+              <a:t>10/10/2019</a:t>
             </a:fld>
             <a:endParaRPr lang="en-US" dirty="0"/>
           </a:p>
@@ -1857,7 +1862,7 @@
           <a:p>
             <a:fld id="{921D9284-D300-4297-87F7-E791DCC15DB1}" type="datetimeFigureOut">
               <a:rPr lang="en-US" smtClean="0"/>
-              <a:t>10/9/2019</a:t>
+              <a:t>10/10/2019</a:t>
             </a:fld>
             <a:endParaRPr lang="en-US" dirty="0"/>
           </a:p>
@@ -2139,7 +2144,7 @@
           <a:p>
             <a:fld id="{37D525BB-DA17-4BA0-B3C8-3AC3ABC827E6}" type="datetimeFigureOut">
               <a:rPr lang="en-US" smtClean="0"/>
-              <a:t>10/9/2019</a:t>
+              <a:t>10/10/2019</a:t>
             </a:fld>
             <a:endParaRPr lang="en-US" dirty="0"/>
           </a:p>
@@ -2401,7 +2406,7 @@
           <a:p>
             <a:fld id="{B16C4C9A-3960-41CF-A4E9-2A8FB932454B}" type="datetimeFigureOut">
               <a:rPr lang="en-US" smtClean="0"/>
-              <a:t>10/9/2019</a:t>
+              <a:t>10/10/2019</a:t>
             </a:fld>
             <a:endParaRPr lang="en-US" dirty="0"/>
           </a:p>
@@ -2619,7 +2624,7 @@
           <a:p>
             <a:fld id="{3CBC1C18-307B-4F68-A007-B5B542270E8D}" type="datetimeFigureOut">
               <a:rPr lang="en-US" smtClean="0"/>
-              <a:t>10/9/2019</a:t>
+              <a:t>10/10/2019</a:t>
             </a:fld>
             <a:endParaRPr lang="en-US" dirty="0"/>
           </a:p>
